--- a/lectures3/Pythonlearn-14-Objects-PL.pptx
+++ b/lectures3/Pythonlearn-14-Objects-PL.pptx
@@ -7292,7 +7292,7 @@
               <a:buNone/>
             </a:pPr>
             <a:r>
-              <a:rPr lang="pl" sz="4700" b="0" i="0" u="none" strike="noStrike" cap="none" baseline="0">
+              <a:rPr lang="pl" sz="4700" b="0" i="0" u="none" strike="noStrike" cap="none" baseline="0" dirty="0">
                 <a:solidFill>
                   <a:srgbClr val="FFD966"/>
                 </a:solidFill>
@@ -10220,14 +10220,14 @@
           </a:ln>
           <a:extLst>
             <a:ext uri="{909E8E84-426E-40dd-AFC4-6F175D3DCCD1}">
-              <a14:hiddenFill xmlns="" xmlns:a14="http://schemas.microsoft.com/office/drawing/2010/main">
+              <a14:hiddenFill xmlns:a14="http://schemas.microsoft.com/office/drawing/2010/main" xmlns="">
                 <a:solidFill>
                   <a:srgbClr val="FFFFFF"/>
                 </a:solidFill>
               </a14:hiddenFill>
             </a:ext>
             <a:ext uri="{91240B29-F687-4f45-9708-019B960494DF}">
-              <a14:hiddenLine xmlns="" xmlns:a14="http://schemas.microsoft.com/office/drawing/2010/main" w="9525">
+              <a14:hiddenLine xmlns:a14="http://schemas.microsoft.com/office/drawing/2010/main" xmlns="" w="9525">
                 <a:solidFill>
                   <a:srgbClr val="000000"/>
                 </a:solidFill>
@@ -10646,14 +10646,14 @@
           </a:ln>
           <a:extLst>
             <a:ext uri="{909E8E84-426E-40dd-AFC4-6F175D3DCCD1}">
-              <a14:hiddenFill xmlns="" xmlns:a14="http://schemas.microsoft.com/office/drawing/2010/main">
+              <a14:hiddenFill xmlns:a14="http://schemas.microsoft.com/office/drawing/2010/main" xmlns="">
                 <a:solidFill>
                   <a:srgbClr val="FFFFFF"/>
                 </a:solidFill>
               </a14:hiddenFill>
             </a:ext>
             <a:ext uri="{91240B29-F687-4f45-9708-019B960494DF}">
-              <a14:hiddenLine xmlns="" xmlns:a14="http://schemas.microsoft.com/office/drawing/2010/main" w="9525">
+              <a14:hiddenLine xmlns:a14="http://schemas.microsoft.com/office/drawing/2010/main" xmlns="" w="9525">
                 <a:solidFill>
                   <a:srgbClr val="000000"/>
                 </a:solidFill>
@@ -11117,14 +11117,14 @@
           </a:ln>
           <a:extLst>
             <a:ext uri="{909E8E84-426E-40dd-AFC4-6F175D3DCCD1}">
-              <a14:hiddenFill xmlns="" xmlns:a14="http://schemas.microsoft.com/office/drawing/2010/main">
+              <a14:hiddenFill xmlns:a14="http://schemas.microsoft.com/office/drawing/2010/main" xmlns="">
                 <a:solidFill>
                   <a:srgbClr val="FFFFFF"/>
                 </a:solidFill>
               </a14:hiddenFill>
             </a:ext>
             <a:ext uri="{91240B29-F687-4f45-9708-019B960494DF}">
-              <a14:hiddenLine xmlns="" xmlns:a14="http://schemas.microsoft.com/office/drawing/2010/main" w="9525">
+              <a14:hiddenLine xmlns:a14="http://schemas.microsoft.com/office/drawing/2010/main" xmlns="" w="9525">
                 <a:solidFill>
                   <a:srgbClr val="000000"/>
                 </a:solidFill>
@@ -11500,14 +11500,14 @@
           </a:ln>
           <a:extLst>
             <a:ext uri="{909E8E84-426E-40dd-AFC4-6F175D3DCCD1}">
-              <a14:hiddenFill xmlns="" xmlns:a14="http://schemas.microsoft.com/office/drawing/2010/main">
+              <a14:hiddenFill xmlns:a14="http://schemas.microsoft.com/office/drawing/2010/main" xmlns="">
                 <a:solidFill>
                   <a:srgbClr val="FFFFFF"/>
                 </a:solidFill>
               </a14:hiddenFill>
             </a:ext>
             <a:ext uri="{91240B29-F687-4f45-9708-019B960494DF}">
-              <a14:hiddenLine xmlns="" xmlns:a14="http://schemas.microsoft.com/office/drawing/2010/main" w="9525">
+              <a14:hiddenLine xmlns:a14="http://schemas.microsoft.com/office/drawing/2010/main" xmlns="" w="9525">
                 <a:solidFill>
                   <a:srgbClr val="000000"/>
                 </a:solidFill>
@@ -12310,14 +12310,14 @@
           </a:ln>
           <a:extLst>
             <a:ext uri="{909E8E84-426E-40dd-AFC4-6F175D3DCCD1}">
-              <a14:hiddenFill xmlns="" xmlns:a14="http://schemas.microsoft.com/office/drawing/2010/main">
+              <a14:hiddenFill xmlns:a14="http://schemas.microsoft.com/office/drawing/2010/main" xmlns="">
                 <a:solidFill>
                   <a:srgbClr val="FFFFFF"/>
                 </a:solidFill>
               </a14:hiddenFill>
             </a:ext>
             <a:ext uri="{91240B29-F687-4f45-9708-019B960494DF}">
-              <a14:hiddenLine xmlns="" xmlns:a14="http://schemas.microsoft.com/office/drawing/2010/main" w="9525">
+              <a14:hiddenLine xmlns:a14="http://schemas.microsoft.com/office/drawing/2010/main" xmlns="" w="9525">
                 <a:solidFill>
                   <a:srgbClr val="000000"/>
                 </a:solidFill>
@@ -20446,14 +20446,14 @@
           </a:ln>
           <a:extLst>
             <a:ext uri="{909E8E84-426E-40dd-AFC4-6F175D3DCCD1}">
-              <a14:hiddenFill xmlns="" xmlns:a14="http://schemas.microsoft.com/office/drawing/2010/main">
+              <a14:hiddenFill xmlns:a14="http://schemas.microsoft.com/office/drawing/2010/main" xmlns="">
                 <a:solidFill>
                   <a:srgbClr val="FFFFFF"/>
                 </a:solidFill>
               </a14:hiddenFill>
             </a:ext>
             <a:ext uri="{91240B29-F687-4f45-9708-019B960494DF}">
-              <a14:hiddenLine xmlns="" xmlns:a14="http://schemas.microsoft.com/office/drawing/2010/main" w="9525">
+              <a14:hiddenLine xmlns:a14="http://schemas.microsoft.com/office/drawing/2010/main" xmlns="" w="9525">
                 <a:solidFill>
                   <a:srgbClr val="000000"/>
                 </a:solidFill>
@@ -26754,14 +26754,14 @@
           </a:ln>
           <a:extLst>
             <a:ext uri="{909E8E84-426E-40dd-AFC4-6F175D3DCCD1}">
-              <a14:hiddenFill xmlns="" xmlns:a14="http://schemas.microsoft.com/office/drawing/2010/main">
+              <a14:hiddenFill xmlns:a14="http://schemas.microsoft.com/office/drawing/2010/main" xmlns="">
                 <a:solidFill>
                   <a:srgbClr val="FFFFFF"/>
                 </a:solidFill>
               </a14:hiddenFill>
             </a:ext>
             <a:ext uri="{91240B29-F687-4f45-9708-019B960494DF}">
-              <a14:hiddenLine xmlns="" xmlns:a14="http://schemas.microsoft.com/office/drawing/2010/main" w="9525">
+              <a14:hiddenLine xmlns:a14="http://schemas.microsoft.com/office/drawing/2010/main" xmlns="" w="9525">
                 <a:solidFill>
                   <a:srgbClr val="000000"/>
                 </a:solidFill>
@@ -32016,14 +32016,14 @@
           </a:ln>
           <a:extLst>
             <a:ext uri="{909E8E84-426E-40dd-AFC4-6F175D3DCCD1}">
-              <a14:hiddenFill xmlns="" xmlns:a14="http://schemas.microsoft.com/office/drawing/2010/main">
+              <a14:hiddenFill xmlns:a14="http://schemas.microsoft.com/office/drawing/2010/main" xmlns="">
                 <a:solidFill>
                   <a:srgbClr val="FFFFFF"/>
                 </a:solidFill>
               </a14:hiddenFill>
             </a:ext>
             <a:ext uri="{91240B29-F687-4f45-9708-019B960494DF}">
-              <a14:hiddenLine xmlns="" xmlns:a14="http://schemas.microsoft.com/office/drawing/2010/main" w="9525">
+              <a14:hiddenLine xmlns:a14="http://schemas.microsoft.com/office/drawing/2010/main" xmlns="" w="9525">
                 <a:solidFill>
                   <a:srgbClr val="000000"/>
                 </a:solidFill>

--- a/lectures3/Pythonlearn-14-Objects-PL.pptx
+++ b/lectures3/Pythonlearn-14-Objects-PL.pptx
@@ -594,12 +594,12 @@
               <a:buNone/>
             </a:pPr>
             <a:r>
-              <a:rPr lang="pl" b="0" i="0" u="none" baseline="0">
+              <a:rPr lang="pl-PL" b="0" i="0" u="none" baseline="0">
                 <a:solidFill>
                   <a:schemeClr val="dk2"/>
                 </a:solidFill>
               </a:rPr>
-              <a:t>Notka od Chucka  Używając tych materiałów masz prawo usunąć logo UM i zastąpić je własnym ale zostaw proszę logo CC-BY na pierwszej stronie oraz strony z podziękowaniami dla współtwórców.</a:t>
+              <a:t>Notka od Chucka: używając tych materiałów masz prawo usunąć logo UM i zastąpić je własnym, ale zostaw proszę logo CC-BY na pierwszej stronie oraz strony z podziękowaniami dla współtwórców.</a:t>
             </a:r>
             <a:endParaRPr lang="pl" dirty="0">
               <a:solidFill>
@@ -18780,7 +18780,16 @@
                 </a:solidFill>
                 <a:sym typeface="Cabin"/>
               </a:rPr>
-              <a:t>Sprawdź dir() z ciągiem znaków</a:t>
+              <a:t>Sprawdź dir() z </a:t>
+            </a:r>
+            <a:r>
+              <a:rPr lang="pl-PL" sz="4600" b="0" i="0" u="none" strike="noStrike" cap="none" baseline="0" dirty="0">
+                <a:solidFill>
+                  <a:srgbClr val="FFD966"/>
+                </a:solidFill>
+                <a:sym typeface="Cabin"/>
+              </a:rPr>
+              <a:t>napisem</a:t>
             </a:r>
           </a:p>
         </p:txBody>
@@ -33968,7 +33977,25 @@
                 </a:solidFill>
                 <a:sym typeface="Cabin"/>
               </a:rPr>
-              <a:t>Od początku korzystaliśmy z obiektów: Obiekty ciągów, Obiekty liczb całkowitych, Obiekty słowników, Obiekty list</a:t>
+              <a:t>Od początku korzystaliśmy z obiektów: Obiekty </a:t>
+            </a:r>
+            <a:r>
+              <a:rPr lang="pl-PL" sz="2200" b="0" i="0" u="none" strike="noStrike" cap="none" baseline="0" dirty="0">
+                <a:solidFill>
+                  <a:srgbClr val="FFFFFF"/>
+                </a:solidFill>
+                <a:sym typeface="Cabin"/>
+              </a:rPr>
+              <a:t>napisów</a:t>
+            </a:r>
+            <a:r>
+              <a:rPr lang="pl" sz="2200" b="0" i="0" u="none" strike="noStrike" cap="none" baseline="0" dirty="0">
+                <a:solidFill>
+                  <a:srgbClr val="FFFFFF"/>
+                </a:solidFill>
+                <a:sym typeface="Cabin"/>
+              </a:rPr>
+              <a:t>, Obiekty liczb całkowitych, Obiekty słowników, Obiekty list</a:t>
             </a:r>
           </a:p>
         </p:txBody>
@@ -34247,7 +34274,7 @@
               <a:buNone/>
             </a:pPr>
             <a:r>
-              <a:rPr lang="pl" sz="2600" b="0" i="0" u="none" strike="noStrike" cap="none" baseline="0">
+              <a:rPr lang="pl-PL" sz="2600" b="0" i="0" u="none" strike="noStrike" cap="none" baseline="0" dirty="0">
                 <a:solidFill>
                   <a:srgbClr val="FFFFFF"/>
                 </a:solidFill>
@@ -34256,7 +34283,7 @@
                 <a:cs typeface="Arial" charset="0"/>
                 <a:sym typeface="Cabin"/>
               </a:rPr>
-              <a:t>Ciąg</a:t>
+              <a:t>Napis</a:t>
             </a:r>
           </a:p>
         </p:txBody>
